--- a/Poster and Plots/Poster.pptx
+++ b/Poster and Plots/Poster.pptx
@@ -3016,7 +3016,7 @@
           <a:lstStyle/>
           <a:p>
             <a:pPr algn="ctr"/>
-            <a:endParaRPr lang="en-US"/>
+            <a:endParaRPr lang="en-US" dirty="0"/>
           </a:p>
         </p:txBody>
       </p:sp>
@@ -3120,8 +3120,8 @@
         </p:nvSpPr>
         <p:spPr bwMode="auto">
           <a:xfrm>
-            <a:off x="420682" y="7087685"/>
-            <a:ext cx="12137077" cy="1554272"/>
+            <a:off x="414178" y="6225385"/>
+            <a:ext cx="12137077" cy="10192534"/>
           </a:xfrm>
           <a:prstGeom prst="rect">
             <a:avLst/>
@@ -3257,35 +3257,28 @@
               </a:spcAft>
             </a:pPr>
             <a:r>
-              <a:rPr lang="en-US" sz="4800" b="1" dirty="0">
+              <a:rPr lang="en-US" sz="3600" b="1" dirty="0">
                 <a:solidFill>
                   <a:srgbClr val="005BBB"/>
                 </a:solidFill>
                 <a:latin typeface="+mj-lt"/>
               </a:rPr>
-              <a:t>Introduction</a:t>
+              <a:t>Motivation</a:t>
             </a:r>
           </a:p>
           <a:p>
             <a:pPr>
-              <a:lnSpc>
-                <a:spcPts val="5600"/>
-              </a:lnSpc>
               <a:spcBef>
                 <a:spcPts val="0"/>
               </a:spcBef>
             </a:pPr>
             <a:r>
-              <a:rPr lang="en-US" altLang="en-US" sz="3800">
-                <a:latin typeface="Arial" charset="0"/>
+              <a:rPr lang="en-US" altLang="en-US" sz="3800" dirty="0">
+                <a:latin typeface="+mn-lt"/>
                 <a:ea typeface="Arial" charset="0"/>
               </a:rPr>
-              <a:t>Toxic comments are </a:t>
-            </a:r>
-            <a:endParaRPr lang="en-US" altLang="en-US" sz="3800" dirty="0">
-              <a:latin typeface="Arial" charset="0"/>
-              <a:ea typeface="Arial" charset="0"/>
-            </a:endParaRPr>
+              <a:t>Posting comments is easy, yet ensuring the content being “healthy” can be difficult. The threat of negative online behavior can drive away users and cause loss to the website. Therefore, a website may want to deploy a classifier to automatically flag comments that are mean, hateful, prejudiced, offense, or some combination thereof. However, a classifier may exhibit bias and lead to unfairness because it may predict, correctly or incorrectly, a toxic label for comments about a particular demographic group more often than comments about other demographic groups. In this project, we are interested in the question about how different levels of dataset bias affect the bias of a classifier trained on that dataset. We will tackle this question by perturbing the dataset in a variety of ways and observing the resulting changes in fairness of classified data. </a:t>
+            </a:r>
           </a:p>
         </p:txBody>
       </p:sp>
@@ -3830,8 +3823,8 @@
         </p:nvSpPr>
         <p:spPr>
           <a:xfrm>
-            <a:off x="414178" y="13581556"/>
-            <a:ext cx="12137048" cy="7679025"/>
+            <a:off x="414207" y="17346256"/>
+            <a:ext cx="12137048" cy="10177145"/>
           </a:xfrm>
           <a:prstGeom prst="rect">
             <a:avLst/>
@@ -3869,121 +3862,50 @@
             </a:r>
           </a:p>
           <a:p>
-            <a:pPr>
-              <a:lnSpc>
-                <a:spcPts val="4600"/>
-              </a:lnSpc>
-              <a:spcBef>
-                <a:spcPts val="0"/>
-              </a:spcBef>
-              <a:spcAft>
-                <a:spcPts val="1000"/>
-              </a:spcAft>
-              <a:defRPr/>
-            </a:pPr>
-            <a:r>
-              <a:rPr lang="en-US" sz="2800" dirty="0">
+            <a:r>
+              <a:rPr lang="en-US" sz="3800" dirty="0"/>
+              <a:t>Our data is split into a training dataset containing approximately 96,000 comments, and a test dataset containing approximately 32,000 comments. We used a logistic regression classifier to predict a binary value for toxicity on the test dataset.</a:t>
+            </a:r>
+          </a:p>
+          <a:p>
+            <a:r>
+              <a:rPr lang="en-US" sz="3800" dirty="0"/>
+              <a:t>In order to ensure we have sufficient sample sizes for each identity term, we only show results for demographic identity terms that appear in at least 3% of comments with identity terms. Figure 1 shows the identity terms, in set T, that met our threshold. </a:t>
+            </a:r>
+          </a:p>
+          <a:p>
+            <a:br>
+              <a:rPr lang="en-US" sz="2800" dirty="0"/>
+            </a:br>
+            <a:br>
+              <a:rPr lang="en-US" sz="2800" dirty="0"/>
+            </a:br>
+            <a:r>
+              <a:rPr lang="en-US" sz="2800" b="1" dirty="0">
+                <a:solidFill>
+                  <a:schemeClr val="tx2"/>
+                </a:solidFill>
                 <a:latin typeface="Arial" charset="0"/>
                 <a:ea typeface="Arial" charset="0"/>
                 <a:cs typeface="Arial" charset="0"/>
               </a:rPr>
-              <a:t>Mauris orci mi, varius id diam id, egestas auctor enim. Praesent ut massa nibh. Duis purus neque, facilisis cursus ultrices vel, ullamcorper ac augue. Donec semper lorem vitae urna pulvinar, in congue massa tristique:</a:t>
-            </a:r>
-          </a:p>
-          <a:p>
-            <a:pPr>
-              <a:spcBef>
-                <a:spcPts val="1200"/>
-              </a:spcBef>
-              <a:spcAft>
-                <a:spcPts val="800"/>
-              </a:spcAft>
-              <a:defRPr/>
-            </a:pPr>
-            <a:r>
-              <a:rPr lang="en-US" sz="2800" b="1" dirty="0">
-                <a:solidFill>
-                  <a:schemeClr val="tx2"/>
-                </a:solidFill>
+              <a:t>Random Variations in Toxicity of Training Data</a:t>
+            </a:r>
+          </a:p>
+          <a:p>
+            <a:r>
+              <a:rPr lang="en-US" sz="2800">
                 <a:latin typeface="Arial" charset="0"/>
                 <a:ea typeface="Arial" charset="0"/>
                 <a:cs typeface="Arial" charset="0"/>
               </a:rPr>
-              <a:t>MAURIS ORCI VARIUS ID DIAM</a:t>
+              <a:t>T</a:t>
             </a:r>
             <a:endParaRPr lang="en-US" sz="2800" dirty="0">
               <a:latin typeface="Arial" charset="0"/>
               <a:ea typeface="Arial" charset="0"/>
               <a:cs typeface="Arial" charset="0"/>
             </a:endParaRPr>
-          </a:p>
-          <a:p>
-            <a:pPr marL="914400" lvl="1" indent="-457200">
-              <a:lnSpc>
-                <a:spcPts val="4600"/>
-              </a:lnSpc>
-              <a:spcBef>
-                <a:spcPts val="0"/>
-              </a:spcBef>
-              <a:buClr>
-                <a:schemeClr val="tx2"/>
-              </a:buClr>
-              <a:buSzPct val="125000"/>
-              <a:buFont typeface="Arial" charset="0"/>
-              <a:buChar char="•"/>
-              <a:defRPr/>
-            </a:pPr>
-            <a:r>
-              <a:rPr lang="en-US" sz="2800" dirty="0">
-                <a:latin typeface="Arial" charset="0"/>
-                <a:ea typeface="Arial" charset="0"/>
-                <a:cs typeface="Arial" charset="0"/>
-              </a:rPr>
-              <a:t>Sed in risus nibh. In nisl quam, aliquet sed nibh sitamet, faucibus placerat dui. </a:t>
-            </a:r>
-          </a:p>
-          <a:p>
-            <a:pPr marL="914400" lvl="1" indent="-457200">
-              <a:lnSpc>
-                <a:spcPts val="4600"/>
-              </a:lnSpc>
-              <a:spcBef>
-                <a:spcPts val="0"/>
-              </a:spcBef>
-              <a:spcAft>
-                <a:spcPts val="1000"/>
-              </a:spcAft>
-              <a:buClr>
-                <a:schemeClr val="tx2"/>
-              </a:buClr>
-              <a:buSzPct val="125000"/>
-              <a:buFont typeface="Arial" charset="0"/>
-              <a:buChar char="•"/>
-              <a:defRPr/>
-            </a:pPr>
-            <a:r>
-              <a:rPr lang="en-US" sz="2800" dirty="0">
-                <a:latin typeface="Arial" charset="0"/>
-                <a:ea typeface="Arial" charset="0"/>
-                <a:cs typeface="Arial" charset="0"/>
-              </a:rPr>
-              <a:t>Fusce quis augue scelerisque, luctus rum sed, </a:t>
-            </a:r>
-            <a:br>
-              <a:rPr lang="en-US" sz="2800" dirty="0">
-                <a:latin typeface="Arial" charset="0"/>
-                <a:ea typeface="Arial" charset="0"/>
-                <a:cs typeface="Arial" charset="0"/>
-              </a:rPr>
-            </a:br>
-            <a:r>
-              <a:rPr lang="en-US" sz="2800" dirty="0">
-                <a:latin typeface="Arial" charset="0"/>
-                <a:ea typeface="Arial" charset="0"/>
-                <a:cs typeface="Arial" charset="0"/>
-              </a:rPr>
-              <a:t>ut in pulvinar urna in eros posuere.</a:t>
-            </a:r>
           </a:p>
           <a:p>
             <a:pPr>
@@ -4076,7 +3998,7 @@
         </p:nvSpPr>
         <p:spPr>
           <a:xfrm>
-            <a:off x="259389" y="22611221"/>
+            <a:off x="31958031" y="16602185"/>
             <a:ext cx="9829800" cy="6011902"/>
           </a:xfrm>
           <a:prstGeom prst="rect">
@@ -4111,7 +4033,7 @@
                 </a:solidFill>
                 <a:latin typeface="+mj-lt"/>
               </a:rPr>
-              <a:t>Data Analysis </a:t>
+              <a:t>Results</a:t>
             </a:r>
           </a:p>
           <a:p>

--- a/Poster and Plots/Poster.pptx
+++ b/Poster and Plots/Poster.pptx
@@ -3120,8 +3120,8 @@
         </p:nvSpPr>
         <p:spPr bwMode="auto">
           <a:xfrm>
-            <a:off x="414178" y="6225385"/>
-            <a:ext cx="12137077" cy="10192534"/>
+            <a:off x="414178" y="5789139"/>
+            <a:ext cx="12137077" cy="9700091"/>
           </a:xfrm>
           <a:prstGeom prst="rect">
             <a:avLst/>
@@ -3257,7 +3257,7 @@
               </a:spcAft>
             </a:pPr>
             <a:r>
-              <a:rPr lang="en-US" sz="3600" b="1" dirty="0">
+              <a:rPr lang="en-US" sz="4800" b="1" dirty="0">
                 <a:solidFill>
                   <a:srgbClr val="005BBB"/>
                 </a:solidFill>
@@ -3273,7 +3273,7 @@
               </a:spcBef>
             </a:pPr>
             <a:r>
-              <a:rPr lang="en-US" altLang="en-US" sz="3800" dirty="0">
+              <a:rPr lang="en-US" altLang="en-US" sz="3600" dirty="0">
                 <a:latin typeface="+mn-lt"/>
                 <a:ea typeface="Arial" charset="0"/>
               </a:rPr>
@@ -3304,8 +3304,8 @@
         </p:blipFill>
         <p:spPr>
           <a:xfrm>
-            <a:off x="14106698" y="6029318"/>
-            <a:ext cx="15205365" cy="10228609"/>
+            <a:off x="508961" y="22591649"/>
+            <a:ext cx="12002692" cy="8074179"/>
           </a:xfrm>
           <a:prstGeom prst="rect">
             <a:avLst/>
@@ -3607,7 +3607,7 @@
         </p:nvSpPr>
         <p:spPr>
           <a:xfrm>
-            <a:off x="33805055" y="7842718"/>
+            <a:off x="30819710" y="6082157"/>
             <a:ext cx="9829800" cy="6601807"/>
           </a:xfrm>
           <a:prstGeom prst="rect">
@@ -3807,8 +3807,8 @@
         </p:blipFill>
         <p:spPr>
           <a:xfrm>
-            <a:off x="14274800" y="17206632"/>
-            <a:ext cx="15138400" cy="8331200"/>
+            <a:off x="15518290" y="22211912"/>
+            <a:ext cx="12028512" cy="6619718"/>
           </a:xfrm>
           <a:prstGeom prst="rect">
             <a:avLst/>
@@ -3823,8 +3823,8 @@
         </p:nvSpPr>
         <p:spPr>
           <a:xfrm>
-            <a:off x="414207" y="17346256"/>
-            <a:ext cx="12137048" cy="10177145"/>
+            <a:off x="13919824" y="5789139"/>
+            <a:ext cx="15316687" cy="9443611"/>
           </a:xfrm>
           <a:prstGeom prst="rect">
             <a:avLst/>
@@ -3858,30 +3858,22 @@
                 </a:solidFill>
                 <a:latin typeface="+mj-lt"/>
               </a:rPr>
-              <a:t>Methods</a:t>
-            </a:r>
-          </a:p>
-          <a:p>
-            <a:r>
-              <a:rPr lang="en-US" sz="3800" dirty="0"/>
-              <a:t>Our data is split into a training dataset containing approximately 96,000 comments, and a test dataset containing approximately 32,000 comments. We used a logistic regression classifier to predict a binary value for toxicity on the test dataset.</a:t>
-            </a:r>
-          </a:p>
-          <a:p>
-            <a:r>
-              <a:rPr lang="en-US" sz="3800" dirty="0"/>
-              <a:t>In order to ensure we have sufficient sample sizes for each identity term, we only show results for demographic identity terms that appear in at least 3% of comments with identity terms. Figure 1 shows the identity terms, in set T, that met our threshold. </a:t>
-            </a:r>
-          </a:p>
-          <a:p>
-            <a:br>
-              <a:rPr lang="en-US" sz="2800" dirty="0"/>
-            </a:br>
-            <a:br>
-              <a:rPr lang="en-US" sz="2800" dirty="0"/>
-            </a:br>
-            <a:r>
-              <a:rPr lang="en-US" sz="2800" b="1" dirty="0">
+              <a:t>Methods (continued)</a:t>
+            </a:r>
+            <a:endParaRPr lang="en-US" sz="2800" dirty="0"/>
+          </a:p>
+          <a:p>
+            <a:pPr>
+              <a:lnSpc>
+                <a:spcPts val="4600"/>
+              </a:lnSpc>
+              <a:spcAft>
+                <a:spcPts val="1200"/>
+              </a:spcAft>
+              <a:defRPr/>
+            </a:pPr>
+            <a:r>
+              <a:rPr lang="en-US" sz="4000" b="1" dirty="0">
                 <a:solidFill>
                   <a:schemeClr val="tx2"/>
                 </a:solidFill>
@@ -3894,14 +3886,64 @@
           </a:p>
           <a:p>
             <a:r>
-              <a:rPr lang="en-US" sz="2800">
+              <a:rPr lang="en-US" sz="3600" dirty="0">
                 <a:latin typeface="Arial" charset="0"/>
                 <a:ea typeface="Arial" charset="0"/>
                 <a:cs typeface="Arial" charset="0"/>
               </a:rPr>
               <a:t>T</a:t>
             </a:r>
-            <a:endParaRPr lang="en-US" sz="2800" dirty="0">
+            <a:r>
+              <a:rPr lang="en-US" sz="3600" dirty="0"/>
+              <a:t> o introduce noise into the training data, we randomly select some p% of comments, and for those comments, we assign a random toxicity value of either [0,1].  </a:t>
+            </a:r>
+          </a:p>
+          <a:p>
+            <a:r>
+              <a:rPr lang="en-US" sz="3600" dirty="0"/>
+              <a:t>Our metric for biased data is based on a generalized disparate impact for a large number of identities. Intuitively, a high disparate impact value means comments containing term </a:t>
+            </a:r>
+            <a:r>
+              <a:rPr lang="en-US" sz="3600" i="1" dirty="0"/>
+              <a:t>t</a:t>
+            </a:r>
+            <a:r>
+              <a:rPr lang="en-US" sz="3600" i="1" baseline="-25000" dirty="0"/>
+              <a:t>1</a:t>
+            </a:r>
+            <a:r>
+              <a:rPr lang="en-US" sz="3600" dirty="0"/>
+              <a:t> are more likely to be labeled as toxic than comments containing a term </a:t>
+            </a:r>
+            <a:r>
+              <a:rPr lang="en-US" sz="3600" i="1" dirty="0"/>
+              <a:t>t</a:t>
+            </a:r>
+            <a:r>
+              <a:rPr lang="en-US" sz="3600" i="1" baseline="-25000" dirty="0"/>
+              <a:t>2</a:t>
+            </a:r>
+            <a:r>
+              <a:rPr lang="en-US" sz="3600" dirty="0"/>
+              <a:t>. We compute disparate impact for all pairs of terms and compute our disparate impact as:</a:t>
+            </a:r>
+          </a:p>
+          <a:p>
+            <a:endParaRPr lang="en-US" sz="3600" dirty="0">
+              <a:latin typeface="Arial" charset="0"/>
+              <a:ea typeface="Arial" charset="0"/>
+              <a:cs typeface="Arial" charset="0"/>
+            </a:endParaRPr>
+          </a:p>
+          <a:p>
+            <a:endParaRPr lang="en-US" sz="3600" dirty="0">
+              <a:latin typeface="Arial" charset="0"/>
+              <a:ea typeface="Arial" charset="0"/>
+              <a:cs typeface="Arial" charset="0"/>
+            </a:endParaRPr>
+          </a:p>
+          <a:p>
+            <a:endParaRPr lang="en-US" sz="3600" dirty="0">
               <a:latin typeface="Arial" charset="0"/>
               <a:ea typeface="Arial" charset="0"/>
               <a:cs typeface="Arial" charset="0"/>
@@ -3930,7 +3972,7 @@
                 <a:ea typeface="Arial" charset="0"/>
                 <a:cs typeface="Arial" charset="0"/>
               </a:rPr>
-              <a:t>EUISMOD JUSTO VITAE PURUS</a:t>
+              <a:t>Variation in Cautiousness </a:t>
             </a:r>
             <a:endParaRPr lang="en-US" sz="2800" dirty="0">
               <a:latin typeface="Arial" charset="0"/>
@@ -4156,6 +4198,102 @@
                 <a:cs typeface="Arial" charset="0"/>
               </a:rPr>
               <a:t>in elementum orci dignissim. Proin semper ipsum</a:t>
+            </a:r>
+          </a:p>
+        </p:txBody>
+      </p:sp>
+      <p:pic>
+        <p:nvPicPr>
+          <p:cNvPr id="116" name="Picture 115">
+            <a:extLst>
+              <a:ext uri="{FF2B5EF4-FFF2-40B4-BE49-F238E27FC236}">
+                <a16:creationId xmlns:a16="http://schemas.microsoft.com/office/drawing/2014/main" id="{529F0F90-8088-854E-887C-5E5B59BEFB88}"/>
+              </a:ext>
+            </a:extLst>
+          </p:cNvPr>
+          <p:cNvPicPr>
+            <a:picLocks noChangeAspect="1"/>
+          </p:cNvPicPr>
+          <p:nvPr/>
+        </p:nvPicPr>
+        <p:blipFill>
+          <a:blip r:embed="rId6"/>
+          <a:stretch>
+            <a:fillRect/>
+          </a:stretch>
+        </p:blipFill>
+        <p:spPr>
+          <a:xfrm>
+            <a:off x="14100489" y="11815328"/>
+            <a:ext cx="14864357" cy="1737272"/>
+          </a:xfrm>
+          <a:prstGeom prst="rect">
+            <a:avLst/>
+          </a:prstGeom>
+        </p:spPr>
+      </p:pic>
+      <p:sp>
+        <p:nvSpPr>
+          <p:cNvPr id="117" name="TextBox 116">
+            <a:extLst>
+              <a:ext uri="{FF2B5EF4-FFF2-40B4-BE49-F238E27FC236}">
+                <a16:creationId xmlns:a16="http://schemas.microsoft.com/office/drawing/2014/main" id="{0585D86E-6C34-9A46-9570-A855965C525B}"/>
+              </a:ext>
+            </a:extLst>
+          </p:cNvPr>
+          <p:cNvSpPr txBox="1"/>
+          <p:nvPr/>
+        </p:nvSpPr>
+        <p:spPr>
+          <a:xfrm>
+            <a:off x="342954" y="15802231"/>
+            <a:ext cx="12809174" cy="6376104"/>
+          </a:xfrm>
+          <a:prstGeom prst="rect">
+            <a:avLst/>
+          </a:prstGeom>
+          <a:solidFill>
+            <a:schemeClr val="bg1">
+              <a:alpha val="63000"/>
+            </a:schemeClr>
+          </a:solidFill>
+          <a:effectLst/>
+        </p:spPr>
+        <p:txBody>
+          <a:bodyPr wrap="square">
+            <a:spAutoFit/>
+          </a:bodyPr>
+          <a:lstStyle/>
+          <a:p>
+            <a:pPr>
+              <a:lnSpc>
+                <a:spcPts val="4600"/>
+              </a:lnSpc>
+              <a:spcAft>
+                <a:spcPts val="1200"/>
+              </a:spcAft>
+              <a:defRPr/>
+            </a:pPr>
+            <a:r>
+              <a:rPr lang="en-US" sz="4800" b="1" dirty="0">
+                <a:solidFill>
+                  <a:srgbClr val="005BBB"/>
+                </a:solidFill>
+                <a:latin typeface="+mj-lt"/>
+              </a:rPr>
+              <a:t>Methods</a:t>
+            </a:r>
+          </a:p>
+          <a:p>
+            <a:r>
+              <a:rPr lang="en-US" sz="3600" dirty="0"/>
+              <a:t>Our data is split into a training dataset containing approximately 96,000 comments, and a test dataset containing approximately 32,000 comments. We used a logistic regression classifier to predict a binary value for toxicity on the test dataset.</a:t>
+            </a:r>
+          </a:p>
+          <a:p>
+            <a:r>
+              <a:rPr lang="en-US" sz="3600" dirty="0"/>
+              <a:t>In order to ensure we have sufficient sample sizes for each identity term, we only show results for demographic identity terms that appear in at least 3% of comments with identity terms. Figure 1 shows the identity terms, in set T, that met our threshold. </a:t>
             </a:r>
           </a:p>
         </p:txBody>

--- a/Poster and Plots/Poster.pptx
+++ b/Poster and Plots/Poster.pptx
@@ -3034,7 +3034,7 @@
         </p:nvCxnSpPr>
         <p:spPr>
           <a:xfrm>
-            <a:off x="13235539" y="5636424"/>
+            <a:off x="13919824" y="5633652"/>
             <a:ext cx="0" cy="25032176"/>
           </a:xfrm>
           <a:prstGeom prst="line">
@@ -3120,8 +3120,8 @@
         </p:nvSpPr>
         <p:spPr bwMode="auto">
           <a:xfrm>
-            <a:off x="414178" y="5789139"/>
-            <a:ext cx="12137077" cy="9700091"/>
+            <a:off x="414178" y="6171257"/>
+            <a:ext cx="12974273" cy="8592096"/>
           </a:xfrm>
           <a:prstGeom prst="rect">
             <a:avLst/>
@@ -3304,8 +3304,8 @@
         </p:blipFill>
         <p:spPr>
           <a:xfrm>
-            <a:off x="508961" y="22591649"/>
-            <a:ext cx="12002692" cy="8074179"/>
+            <a:off x="422190" y="21474942"/>
+            <a:ext cx="13231861" cy="8901038"/>
           </a:xfrm>
           <a:prstGeom prst="rect">
             <a:avLst/>
@@ -3785,253 +3785,6 @@
           </a:p>
         </p:txBody>
       </p:sp>
-      <p:pic>
-        <p:nvPicPr>
-          <p:cNvPr id="114" name="Picture 113">
-            <a:extLst>
-              <a:ext uri="{FF2B5EF4-FFF2-40B4-BE49-F238E27FC236}">
-                <a16:creationId xmlns:a16="http://schemas.microsoft.com/office/drawing/2014/main" id="{09F5992F-EF92-0841-8754-43FD4E668FE1}"/>
-              </a:ext>
-            </a:extLst>
-          </p:cNvPr>
-          <p:cNvPicPr>
-            <a:picLocks noChangeAspect="1"/>
-          </p:cNvPicPr>
-          <p:nvPr/>
-        </p:nvPicPr>
-        <p:blipFill>
-          <a:blip r:embed="rId5"/>
-          <a:stretch>
-            <a:fillRect/>
-          </a:stretch>
-        </p:blipFill>
-        <p:spPr>
-          <a:xfrm>
-            <a:off x="15518290" y="22211912"/>
-            <a:ext cx="12028512" cy="6619718"/>
-          </a:xfrm>
-          <a:prstGeom prst="rect">
-            <a:avLst/>
-          </a:prstGeom>
-        </p:spPr>
-      </p:pic>
-      <p:sp>
-        <p:nvSpPr>
-          <p:cNvPr id="9" name="TextBox 8"/>
-          <p:cNvSpPr txBox="1"/>
-          <p:nvPr/>
-        </p:nvSpPr>
-        <p:spPr>
-          <a:xfrm>
-            <a:off x="13919824" y="5789139"/>
-            <a:ext cx="15316687" cy="9443611"/>
-          </a:xfrm>
-          <a:prstGeom prst="rect">
-            <a:avLst/>
-          </a:prstGeom>
-          <a:solidFill>
-            <a:schemeClr val="bg1">
-              <a:alpha val="63000"/>
-            </a:schemeClr>
-          </a:solidFill>
-          <a:effectLst/>
-        </p:spPr>
-        <p:txBody>
-          <a:bodyPr wrap="square">
-            <a:spAutoFit/>
-          </a:bodyPr>
-          <a:lstStyle/>
-          <a:p>
-            <a:pPr>
-              <a:lnSpc>
-                <a:spcPts val="4600"/>
-              </a:lnSpc>
-              <a:spcAft>
-                <a:spcPts val="1200"/>
-              </a:spcAft>
-              <a:defRPr/>
-            </a:pPr>
-            <a:r>
-              <a:rPr lang="en-US" sz="4800" b="1" dirty="0">
-                <a:solidFill>
-                  <a:srgbClr val="005BBB"/>
-                </a:solidFill>
-                <a:latin typeface="+mj-lt"/>
-              </a:rPr>
-              <a:t>Methods (continued)</a:t>
-            </a:r>
-            <a:endParaRPr lang="en-US" sz="2800" dirty="0"/>
-          </a:p>
-          <a:p>
-            <a:pPr>
-              <a:lnSpc>
-                <a:spcPts val="4600"/>
-              </a:lnSpc>
-              <a:spcAft>
-                <a:spcPts val="1200"/>
-              </a:spcAft>
-              <a:defRPr/>
-            </a:pPr>
-            <a:r>
-              <a:rPr lang="en-US" sz="4000" b="1" dirty="0">
-                <a:solidFill>
-                  <a:schemeClr val="tx2"/>
-                </a:solidFill>
-                <a:latin typeface="Arial" charset="0"/>
-                <a:ea typeface="Arial" charset="0"/>
-                <a:cs typeface="Arial" charset="0"/>
-              </a:rPr>
-              <a:t>Random Variations in Toxicity of Training Data</a:t>
-            </a:r>
-          </a:p>
-          <a:p>
-            <a:r>
-              <a:rPr lang="en-US" sz="3600" dirty="0">
-                <a:latin typeface="Arial" charset="0"/>
-                <a:ea typeface="Arial" charset="0"/>
-                <a:cs typeface="Arial" charset="0"/>
-              </a:rPr>
-              <a:t>T</a:t>
-            </a:r>
-            <a:r>
-              <a:rPr lang="en-US" sz="3600" dirty="0"/>
-              <a:t> o introduce noise into the training data, we randomly select some p% of comments, and for those comments, we assign a random toxicity value of either [0,1].  </a:t>
-            </a:r>
-          </a:p>
-          <a:p>
-            <a:r>
-              <a:rPr lang="en-US" sz="3600" dirty="0"/>
-              <a:t>Our metric for biased data is based on a generalized disparate impact for a large number of identities. Intuitively, a high disparate impact value means comments containing term </a:t>
-            </a:r>
-            <a:r>
-              <a:rPr lang="en-US" sz="3600" i="1" dirty="0"/>
-              <a:t>t</a:t>
-            </a:r>
-            <a:r>
-              <a:rPr lang="en-US" sz="3600" i="1" baseline="-25000" dirty="0"/>
-              <a:t>1</a:t>
-            </a:r>
-            <a:r>
-              <a:rPr lang="en-US" sz="3600" dirty="0"/>
-              <a:t> are more likely to be labeled as toxic than comments containing a term </a:t>
-            </a:r>
-            <a:r>
-              <a:rPr lang="en-US" sz="3600" i="1" dirty="0"/>
-              <a:t>t</a:t>
-            </a:r>
-            <a:r>
-              <a:rPr lang="en-US" sz="3600" i="1" baseline="-25000" dirty="0"/>
-              <a:t>2</a:t>
-            </a:r>
-            <a:r>
-              <a:rPr lang="en-US" sz="3600" dirty="0"/>
-              <a:t>. We compute disparate impact for all pairs of terms and compute our disparate impact as:</a:t>
-            </a:r>
-          </a:p>
-          <a:p>
-            <a:endParaRPr lang="en-US" sz="3600" dirty="0">
-              <a:latin typeface="Arial" charset="0"/>
-              <a:ea typeface="Arial" charset="0"/>
-              <a:cs typeface="Arial" charset="0"/>
-            </a:endParaRPr>
-          </a:p>
-          <a:p>
-            <a:endParaRPr lang="en-US" sz="3600" dirty="0">
-              <a:latin typeface="Arial" charset="0"/>
-              <a:ea typeface="Arial" charset="0"/>
-              <a:cs typeface="Arial" charset="0"/>
-            </a:endParaRPr>
-          </a:p>
-          <a:p>
-            <a:endParaRPr lang="en-US" sz="3600" dirty="0">
-              <a:latin typeface="Arial" charset="0"/>
-              <a:ea typeface="Arial" charset="0"/>
-              <a:cs typeface="Arial" charset="0"/>
-            </a:endParaRPr>
-          </a:p>
-          <a:p>
-            <a:pPr>
-              <a:lnSpc>
-                <a:spcPts val="4600"/>
-              </a:lnSpc>
-              <a:spcBef>
-                <a:spcPts val="0"/>
-              </a:spcBef>
-              <a:buClr>
-                <a:schemeClr val="tx2"/>
-              </a:buClr>
-              <a:buSzPct val="125000"/>
-              <a:defRPr/>
-            </a:pPr>
-            <a:r>
-              <a:rPr lang="en-US" sz="2800" b="1" dirty="0">
-                <a:solidFill>
-                  <a:schemeClr val="tx2"/>
-                </a:solidFill>
-                <a:latin typeface="Arial" charset="0"/>
-                <a:ea typeface="Arial" charset="0"/>
-                <a:cs typeface="Arial" charset="0"/>
-              </a:rPr>
-              <a:t>Variation in Cautiousness </a:t>
-            </a:r>
-            <a:endParaRPr lang="en-US" sz="2800" dirty="0">
-              <a:latin typeface="Arial" charset="0"/>
-              <a:ea typeface="Arial" charset="0"/>
-              <a:cs typeface="Arial" charset="0"/>
-            </a:endParaRPr>
-          </a:p>
-          <a:p>
-            <a:pPr marL="914400" lvl="1" indent="-457200">
-              <a:lnSpc>
-                <a:spcPts val="4600"/>
-              </a:lnSpc>
-              <a:spcBef>
-                <a:spcPts val="0"/>
-              </a:spcBef>
-              <a:buClr>
-                <a:schemeClr val="tx2"/>
-              </a:buClr>
-              <a:buSzPct val="125000"/>
-              <a:buFont typeface="Arial" charset="0"/>
-              <a:buChar char="•"/>
-              <a:defRPr/>
-            </a:pPr>
-            <a:r>
-              <a:rPr lang="en-US" sz="2800" dirty="0">
-                <a:latin typeface="Arial" charset="0"/>
-                <a:ea typeface="Arial" charset="0"/>
-                <a:cs typeface="Arial" charset="0"/>
-              </a:rPr>
-              <a:t>Proin semper ipsum donec semper placerat.</a:t>
-            </a:r>
-          </a:p>
-          <a:p>
-            <a:pPr marL="914400" lvl="1" indent="-457200">
-              <a:lnSpc>
-                <a:spcPts val="4600"/>
-              </a:lnSpc>
-              <a:spcBef>
-                <a:spcPts val="0"/>
-              </a:spcBef>
-              <a:buClr>
-                <a:schemeClr val="tx2"/>
-              </a:buClr>
-              <a:buSzPct val="125000"/>
-              <a:buFont typeface="Arial" charset="0"/>
-              <a:buChar char="•"/>
-              <a:defRPr/>
-            </a:pPr>
-            <a:r>
-              <a:rPr lang="en-US" sz="2800" dirty="0">
-                <a:latin typeface="Arial" charset="0"/>
-                <a:ea typeface="Arial" charset="0"/>
-                <a:cs typeface="Arial" charset="0"/>
-              </a:rPr>
-              <a:t>Finibus quam tempor, vitae consectetur.</a:t>
-            </a:r>
-          </a:p>
-        </p:txBody>
-      </p:sp>
       <p:sp>
         <p:nvSpPr>
           <p:cNvPr id="19" name="TextBox 18"/>
@@ -4202,6 +3955,491 @@
           </a:p>
         </p:txBody>
       </p:sp>
+      <p:sp>
+        <p:nvSpPr>
+          <p:cNvPr id="9" name="TextBox 8"/>
+          <p:cNvSpPr txBox="1"/>
+          <p:nvPr/>
+        </p:nvSpPr>
+        <p:spPr>
+          <a:xfrm>
+            <a:off x="14466657" y="5785001"/>
+            <a:ext cx="15392267" cy="21205805"/>
+          </a:xfrm>
+          <a:prstGeom prst="rect">
+            <a:avLst/>
+          </a:prstGeom>
+          <a:solidFill>
+            <a:schemeClr val="bg1">
+              <a:alpha val="63000"/>
+            </a:schemeClr>
+          </a:solidFill>
+          <a:effectLst/>
+        </p:spPr>
+        <p:txBody>
+          <a:bodyPr wrap="square">
+            <a:spAutoFit/>
+          </a:bodyPr>
+          <a:lstStyle/>
+          <a:p>
+            <a:pPr>
+              <a:lnSpc>
+                <a:spcPts val="4600"/>
+              </a:lnSpc>
+              <a:spcAft>
+                <a:spcPts val="1200"/>
+              </a:spcAft>
+              <a:defRPr/>
+            </a:pPr>
+            <a:r>
+              <a:rPr lang="en-US" sz="4800" b="1" dirty="0">
+                <a:solidFill>
+                  <a:srgbClr val="005BBB"/>
+                </a:solidFill>
+                <a:latin typeface="+mj-lt"/>
+              </a:rPr>
+              <a:t>Methods (continued)</a:t>
+            </a:r>
+            <a:endParaRPr lang="en-US" sz="2800" dirty="0"/>
+          </a:p>
+          <a:p>
+            <a:pPr>
+              <a:lnSpc>
+                <a:spcPts val="4600"/>
+              </a:lnSpc>
+              <a:spcAft>
+                <a:spcPts val="1200"/>
+              </a:spcAft>
+              <a:defRPr/>
+            </a:pPr>
+            <a:r>
+              <a:rPr lang="en-US" sz="4000" b="1" dirty="0">
+                <a:solidFill>
+                  <a:schemeClr val="tx2"/>
+                </a:solidFill>
+                <a:latin typeface="Arial" charset="0"/>
+                <a:ea typeface="Arial" charset="0"/>
+                <a:cs typeface="Arial" charset="0"/>
+              </a:rPr>
+              <a:t>Random Variations in Toxicity of Training Data</a:t>
+            </a:r>
+          </a:p>
+          <a:p>
+            <a:r>
+              <a:rPr lang="en-US" sz="3600" dirty="0">
+                <a:latin typeface="Arial" charset="0"/>
+                <a:ea typeface="Arial" charset="0"/>
+                <a:cs typeface="Arial" charset="0"/>
+              </a:rPr>
+              <a:t>T</a:t>
+            </a:r>
+            <a:r>
+              <a:rPr lang="en-US" sz="3600" dirty="0"/>
+              <a:t>o introduce noise into the training data, we randomly select some p% of comments, and for those comments, we assign a random toxicity value of either [0,1].  </a:t>
+            </a:r>
+          </a:p>
+          <a:p>
+            <a:r>
+              <a:rPr lang="en-US" sz="3600" dirty="0"/>
+              <a:t>Our metric for biased data is based on a generalized disparate impact for a large number of identities. Intuitively, a high disparate impact value means comments containing term </a:t>
+            </a:r>
+            <a:r>
+              <a:rPr lang="en-US" sz="3600" i="1" dirty="0"/>
+              <a:t>t</a:t>
+            </a:r>
+            <a:r>
+              <a:rPr lang="en-US" sz="3600" i="1" baseline="-25000" dirty="0"/>
+              <a:t>1</a:t>
+            </a:r>
+            <a:r>
+              <a:rPr lang="en-US" sz="3600" dirty="0"/>
+              <a:t> are more likely to be labeled as toxic than comments containing a term </a:t>
+            </a:r>
+            <a:r>
+              <a:rPr lang="en-US" sz="3600" i="1" dirty="0"/>
+              <a:t>t</a:t>
+            </a:r>
+            <a:r>
+              <a:rPr lang="en-US" sz="3600" i="1" baseline="-25000" dirty="0"/>
+              <a:t>2</a:t>
+            </a:r>
+            <a:r>
+              <a:rPr lang="en-US" sz="3600" dirty="0"/>
+              <a:t>. We compute disparate impact for all pairs of terms and compute our disparate impact as:</a:t>
+            </a:r>
+          </a:p>
+          <a:p>
+            <a:endParaRPr lang="en-US" sz="3600" dirty="0">
+              <a:latin typeface="Arial" charset="0"/>
+              <a:ea typeface="Arial" charset="0"/>
+              <a:cs typeface="Arial" charset="0"/>
+            </a:endParaRPr>
+          </a:p>
+          <a:p>
+            <a:endParaRPr lang="en-US" sz="3600" dirty="0">
+              <a:latin typeface="Arial" charset="0"/>
+              <a:ea typeface="Arial" charset="0"/>
+              <a:cs typeface="Arial" charset="0"/>
+            </a:endParaRPr>
+          </a:p>
+          <a:p>
+            <a:endParaRPr lang="en-US" sz="3600" dirty="0">
+              <a:latin typeface="Arial" charset="0"/>
+              <a:ea typeface="Arial" charset="0"/>
+              <a:cs typeface="Arial" charset="0"/>
+            </a:endParaRPr>
+          </a:p>
+          <a:p>
+            <a:endParaRPr lang="en-US" sz="3600" dirty="0">
+              <a:latin typeface="Arial" charset="0"/>
+              <a:ea typeface="Arial" charset="0"/>
+              <a:cs typeface="Arial" charset="0"/>
+            </a:endParaRPr>
+          </a:p>
+          <a:p>
+            <a:pPr>
+              <a:lnSpc>
+                <a:spcPts val="4600"/>
+              </a:lnSpc>
+              <a:spcBef>
+                <a:spcPts val="0"/>
+              </a:spcBef>
+              <a:buClr>
+                <a:schemeClr val="tx2"/>
+              </a:buClr>
+              <a:buSzPct val="125000"/>
+              <a:defRPr/>
+            </a:pPr>
+            <a:r>
+              <a:rPr lang="en-US" sz="3600" dirty="0"/>
+              <a:t>Figure 2 looks at DI values for the test data compared to predicted values computed on training data.</a:t>
+            </a:r>
+          </a:p>
+          <a:p>
+            <a:pPr>
+              <a:lnSpc>
+                <a:spcPts val="4600"/>
+              </a:lnSpc>
+              <a:spcBef>
+                <a:spcPts val="0"/>
+              </a:spcBef>
+              <a:buClr>
+                <a:schemeClr val="tx2"/>
+              </a:buClr>
+              <a:buSzPct val="125000"/>
+              <a:defRPr/>
+            </a:pPr>
+            <a:endParaRPr lang="en-US" sz="3600" b="1" dirty="0">
+              <a:solidFill>
+                <a:schemeClr val="tx2"/>
+              </a:solidFill>
+              <a:latin typeface="Arial" charset="0"/>
+              <a:ea typeface="Arial" charset="0"/>
+              <a:cs typeface="Arial" charset="0"/>
+            </a:endParaRPr>
+          </a:p>
+          <a:p>
+            <a:pPr>
+              <a:lnSpc>
+                <a:spcPts val="4600"/>
+              </a:lnSpc>
+              <a:spcBef>
+                <a:spcPts val="0"/>
+              </a:spcBef>
+              <a:buClr>
+                <a:schemeClr val="tx2"/>
+              </a:buClr>
+              <a:buSzPct val="125000"/>
+              <a:defRPr/>
+            </a:pPr>
+            <a:endParaRPr lang="en-US" sz="3600" b="1" dirty="0">
+              <a:solidFill>
+                <a:schemeClr val="tx2"/>
+              </a:solidFill>
+              <a:latin typeface="Arial" charset="0"/>
+              <a:ea typeface="Arial" charset="0"/>
+              <a:cs typeface="Arial" charset="0"/>
+            </a:endParaRPr>
+          </a:p>
+          <a:p>
+            <a:pPr>
+              <a:lnSpc>
+                <a:spcPts val="4600"/>
+              </a:lnSpc>
+              <a:spcBef>
+                <a:spcPts val="0"/>
+              </a:spcBef>
+              <a:buClr>
+                <a:schemeClr val="tx2"/>
+              </a:buClr>
+              <a:buSzPct val="125000"/>
+              <a:defRPr/>
+            </a:pPr>
+            <a:endParaRPr lang="en-US" sz="3600" b="1" dirty="0">
+              <a:solidFill>
+                <a:schemeClr val="tx2"/>
+              </a:solidFill>
+              <a:latin typeface="Arial" charset="0"/>
+              <a:ea typeface="Arial" charset="0"/>
+              <a:cs typeface="Arial" charset="0"/>
+            </a:endParaRPr>
+          </a:p>
+          <a:p>
+            <a:pPr>
+              <a:lnSpc>
+                <a:spcPts val="4600"/>
+              </a:lnSpc>
+              <a:spcBef>
+                <a:spcPts val="0"/>
+              </a:spcBef>
+              <a:buClr>
+                <a:schemeClr val="tx2"/>
+              </a:buClr>
+              <a:buSzPct val="125000"/>
+              <a:defRPr/>
+            </a:pPr>
+            <a:endParaRPr lang="en-US" sz="3600" b="1" dirty="0">
+              <a:solidFill>
+                <a:schemeClr val="tx2"/>
+              </a:solidFill>
+              <a:latin typeface="Arial" charset="0"/>
+              <a:ea typeface="Arial" charset="0"/>
+              <a:cs typeface="Arial" charset="0"/>
+            </a:endParaRPr>
+          </a:p>
+          <a:p>
+            <a:pPr>
+              <a:lnSpc>
+                <a:spcPts val="4600"/>
+              </a:lnSpc>
+              <a:spcBef>
+                <a:spcPts val="0"/>
+              </a:spcBef>
+              <a:buClr>
+                <a:schemeClr val="tx2"/>
+              </a:buClr>
+              <a:buSzPct val="125000"/>
+              <a:defRPr/>
+            </a:pPr>
+            <a:endParaRPr lang="en-US" sz="3600" b="1" dirty="0">
+              <a:solidFill>
+                <a:schemeClr val="tx2"/>
+              </a:solidFill>
+              <a:latin typeface="Arial" charset="0"/>
+              <a:ea typeface="Arial" charset="0"/>
+              <a:cs typeface="Arial" charset="0"/>
+            </a:endParaRPr>
+          </a:p>
+          <a:p>
+            <a:pPr>
+              <a:lnSpc>
+                <a:spcPts val="4600"/>
+              </a:lnSpc>
+              <a:spcBef>
+                <a:spcPts val="0"/>
+              </a:spcBef>
+              <a:buClr>
+                <a:schemeClr val="tx2"/>
+              </a:buClr>
+              <a:buSzPct val="125000"/>
+              <a:defRPr/>
+            </a:pPr>
+            <a:endParaRPr lang="en-US" sz="3600" b="1" dirty="0">
+              <a:solidFill>
+                <a:schemeClr val="tx2"/>
+              </a:solidFill>
+              <a:latin typeface="Arial" charset="0"/>
+              <a:ea typeface="Arial" charset="0"/>
+              <a:cs typeface="Arial" charset="0"/>
+            </a:endParaRPr>
+          </a:p>
+          <a:p>
+            <a:pPr>
+              <a:lnSpc>
+                <a:spcPts val="4600"/>
+              </a:lnSpc>
+              <a:spcBef>
+                <a:spcPts val="0"/>
+              </a:spcBef>
+              <a:buClr>
+                <a:schemeClr val="tx2"/>
+              </a:buClr>
+              <a:buSzPct val="125000"/>
+              <a:defRPr/>
+            </a:pPr>
+            <a:endParaRPr lang="en-US" sz="3600" b="1" dirty="0">
+              <a:solidFill>
+                <a:schemeClr val="tx2"/>
+              </a:solidFill>
+              <a:latin typeface="Arial" charset="0"/>
+              <a:ea typeface="Arial" charset="0"/>
+              <a:cs typeface="Arial" charset="0"/>
+            </a:endParaRPr>
+          </a:p>
+          <a:p>
+            <a:pPr>
+              <a:lnSpc>
+                <a:spcPts val="4600"/>
+              </a:lnSpc>
+              <a:spcBef>
+                <a:spcPts val="0"/>
+              </a:spcBef>
+              <a:buClr>
+                <a:schemeClr val="tx2"/>
+              </a:buClr>
+              <a:buSzPct val="125000"/>
+              <a:defRPr/>
+            </a:pPr>
+            <a:endParaRPr lang="en-US" sz="3600" b="1" dirty="0">
+              <a:solidFill>
+                <a:schemeClr val="tx2"/>
+              </a:solidFill>
+              <a:latin typeface="Arial" charset="0"/>
+              <a:ea typeface="Arial" charset="0"/>
+              <a:cs typeface="Arial" charset="0"/>
+            </a:endParaRPr>
+          </a:p>
+          <a:p>
+            <a:pPr>
+              <a:lnSpc>
+                <a:spcPts val="4600"/>
+              </a:lnSpc>
+              <a:spcBef>
+                <a:spcPts val="0"/>
+              </a:spcBef>
+              <a:buClr>
+                <a:schemeClr val="tx2"/>
+              </a:buClr>
+              <a:buSzPct val="125000"/>
+              <a:defRPr/>
+            </a:pPr>
+            <a:endParaRPr lang="en-US" sz="3600" b="1" dirty="0">
+              <a:solidFill>
+                <a:schemeClr val="tx2"/>
+              </a:solidFill>
+              <a:latin typeface="Arial" charset="0"/>
+              <a:ea typeface="Arial" charset="0"/>
+              <a:cs typeface="Arial" charset="0"/>
+            </a:endParaRPr>
+          </a:p>
+          <a:p>
+            <a:pPr>
+              <a:lnSpc>
+                <a:spcPts val="4600"/>
+              </a:lnSpc>
+              <a:spcBef>
+                <a:spcPts val="0"/>
+              </a:spcBef>
+              <a:buClr>
+                <a:schemeClr val="tx2"/>
+              </a:buClr>
+              <a:buSzPct val="125000"/>
+              <a:defRPr/>
+            </a:pPr>
+            <a:endParaRPr lang="en-US" sz="3600" b="1" dirty="0">
+              <a:solidFill>
+                <a:schemeClr val="tx2"/>
+              </a:solidFill>
+              <a:latin typeface="Arial" charset="0"/>
+              <a:ea typeface="Arial" charset="0"/>
+              <a:cs typeface="Arial" charset="0"/>
+            </a:endParaRPr>
+          </a:p>
+          <a:p>
+            <a:pPr>
+              <a:lnSpc>
+                <a:spcPts val="4600"/>
+              </a:lnSpc>
+              <a:spcBef>
+                <a:spcPts val="0"/>
+              </a:spcBef>
+              <a:buClr>
+                <a:schemeClr val="tx2"/>
+              </a:buClr>
+              <a:buSzPct val="125000"/>
+              <a:defRPr/>
+            </a:pPr>
+            <a:endParaRPr lang="en-US" sz="3600" b="1" dirty="0">
+              <a:solidFill>
+                <a:schemeClr val="tx2"/>
+              </a:solidFill>
+              <a:latin typeface="Arial" charset="0"/>
+              <a:ea typeface="Arial" charset="0"/>
+              <a:cs typeface="Arial" charset="0"/>
+            </a:endParaRPr>
+          </a:p>
+          <a:p>
+            <a:pPr>
+              <a:lnSpc>
+                <a:spcPts val="4600"/>
+              </a:lnSpc>
+              <a:spcBef>
+                <a:spcPts val="0"/>
+              </a:spcBef>
+              <a:buClr>
+                <a:schemeClr val="tx2"/>
+              </a:buClr>
+              <a:buSzPct val="125000"/>
+              <a:defRPr/>
+            </a:pPr>
+            <a:endParaRPr lang="en-US" sz="3600" b="1" dirty="0">
+              <a:solidFill>
+                <a:schemeClr val="tx2"/>
+              </a:solidFill>
+              <a:latin typeface="Arial" charset="0"/>
+              <a:ea typeface="Arial" charset="0"/>
+              <a:cs typeface="Arial" charset="0"/>
+            </a:endParaRPr>
+          </a:p>
+          <a:p>
+            <a:pPr>
+              <a:lnSpc>
+                <a:spcPts val="4600"/>
+              </a:lnSpc>
+              <a:spcBef>
+                <a:spcPts val="0"/>
+              </a:spcBef>
+              <a:buClr>
+                <a:schemeClr val="tx2"/>
+              </a:buClr>
+              <a:buSzPct val="125000"/>
+              <a:defRPr/>
+            </a:pPr>
+            <a:r>
+              <a:rPr lang="en-US" sz="4000" b="1" dirty="0">
+                <a:solidFill>
+                  <a:schemeClr val="tx2"/>
+                </a:solidFill>
+                <a:latin typeface="Arial" charset="0"/>
+                <a:ea typeface="Arial" charset="0"/>
+                <a:cs typeface="Arial" charset="0"/>
+              </a:rPr>
+              <a:t>Variation in Cautiousness of Toxicity Definition</a:t>
+            </a:r>
+          </a:p>
+          <a:p>
+            <a:pPr indent="-1386230">
+              <a:lnSpc>
+                <a:spcPts val="4600"/>
+              </a:lnSpc>
+              <a:buClr>
+                <a:schemeClr val="tx2"/>
+              </a:buClr>
+              <a:buSzPct val="125000"/>
+              <a:defRPr/>
+            </a:pPr>
+            <a:r>
+              <a:rPr lang="en-US" sz="3600" dirty="0"/>
+              <a:t>The original crowdsourced dataset given by [cite] is broken down by human rater, where at least 10 human raters provided a binary rating for each comment.  [cite] checks for a mean binary rating across raters greater than 0.5 to classify the comment as toxic in the training dataset. We adjust this threshold and observe changes in the disparate impact when comparing each demographic identity term to the term ‘gay’, shown in Figure 3.</a:t>
+            </a:r>
+            <a:endParaRPr lang="en-US" sz="3600" dirty="0">
+              <a:latin typeface="Arial" charset="0"/>
+              <a:ea typeface="Arial" charset="0"/>
+              <a:cs typeface="Arial" charset="0"/>
+            </a:endParaRPr>
+          </a:p>
+        </p:txBody>
+      </p:sp>
       <p:pic>
         <p:nvPicPr>
           <p:cNvPr id="116" name="Picture 115">
@@ -4217,14 +4455,14 @@
           <p:nvPr/>
         </p:nvPicPr>
         <p:blipFill>
-          <a:blip r:embed="rId6"/>
+          <a:blip r:embed="rId5"/>
           <a:stretch>
             <a:fillRect/>
           </a:stretch>
         </p:blipFill>
         <p:spPr>
           <a:xfrm>
-            <a:off x="14100489" y="11815328"/>
+            <a:off x="14433649" y="11814628"/>
             <a:ext cx="14864357" cy="1737272"/>
           </a:xfrm>
           <a:prstGeom prst="rect">
@@ -4246,8 +4484,8 @@
         </p:nvSpPr>
         <p:spPr>
           <a:xfrm>
-            <a:off x="342954" y="15802231"/>
-            <a:ext cx="12809174" cy="6376104"/>
+            <a:off x="432919" y="15208094"/>
+            <a:ext cx="13210405" cy="5822107"/>
           </a:xfrm>
           <a:prstGeom prst="rect">
             <a:avLst/>
@@ -4298,6 +4536,190 @@
           </a:p>
         </p:txBody>
       </p:sp>
+      <p:pic>
+        <p:nvPicPr>
+          <p:cNvPr id="119" name="Picture 118">
+            <a:extLst>
+              <a:ext uri="{FF2B5EF4-FFF2-40B4-BE49-F238E27FC236}">
+                <a16:creationId xmlns:a16="http://schemas.microsoft.com/office/drawing/2014/main" id="{B41BFB36-6031-1C44-8024-C2B37D75452B}"/>
+              </a:ext>
+            </a:extLst>
+          </p:cNvPr>
+          <p:cNvPicPr>
+            <a:picLocks noChangeAspect="1"/>
+          </p:cNvPicPr>
+          <p:nvPr/>
+        </p:nvPicPr>
+        <p:blipFill>
+          <a:blip r:embed="rId6"/>
+          <a:stretch>
+            <a:fillRect/>
+          </a:stretch>
+        </p:blipFill>
+        <p:spPr>
+          <a:xfrm>
+            <a:off x="44156973" y="3889005"/>
+            <a:ext cx="11888435" cy="7925623"/>
+          </a:xfrm>
+          <a:prstGeom prst="rect">
+            <a:avLst/>
+          </a:prstGeom>
+        </p:spPr>
+      </p:pic>
+      <p:sp>
+        <p:nvSpPr>
+          <p:cNvPr id="120" name="Rectangle 119">
+            <a:extLst>
+              <a:ext uri="{FF2B5EF4-FFF2-40B4-BE49-F238E27FC236}">
+                <a16:creationId xmlns:a16="http://schemas.microsoft.com/office/drawing/2014/main" id="{064299D2-CF62-FF48-867A-89F89B4C577F}"/>
+              </a:ext>
+            </a:extLst>
+          </p:cNvPr>
+          <p:cNvSpPr/>
+          <p:nvPr/>
+        </p:nvSpPr>
+        <p:spPr>
+          <a:xfrm>
+            <a:off x="11636752" y="21945600"/>
+            <a:ext cx="1893938" cy="5895253"/>
+          </a:xfrm>
+          <a:prstGeom prst="rect">
+            <a:avLst/>
+          </a:prstGeom>
+          <a:solidFill>
+            <a:srgbClr val="FEE404">
+              <a:alpha val="27059"/>
+            </a:srgbClr>
+          </a:solidFill>
+          <a:ln>
+            <a:noFill/>
+          </a:ln>
+        </p:spPr>
+        <p:style>
+          <a:lnRef idx="2">
+            <a:schemeClr val="accent1">
+              <a:shade val="50000"/>
+            </a:schemeClr>
+          </a:lnRef>
+          <a:fillRef idx="1">
+            <a:schemeClr val="accent1"/>
+          </a:fillRef>
+          <a:effectRef idx="0">
+            <a:schemeClr val="accent1"/>
+          </a:effectRef>
+          <a:fontRef idx="minor">
+            <a:schemeClr val="lt1"/>
+          </a:fontRef>
+        </p:style>
+        <p:txBody>
+          <a:bodyPr rtlCol="0" anchor="ctr"/>
+          <a:lstStyle/>
+          <a:p>
+            <a:pPr algn="ctr"/>
+            <a:endParaRPr lang="en-US"/>
+          </a:p>
+        </p:txBody>
+      </p:sp>
+      <mc:AlternateContent xmlns:mc="http://schemas.openxmlformats.org/markup-compatibility/2006">
+        <mc:Choice xmlns:a14="http://schemas.microsoft.com/office/drawing/2010/main" Requires="a14">
+          <p:sp>
+            <p:nvSpPr>
+              <p:cNvPr id="121" name="TextBox 120">
+                <a:extLst>
+                  <a:ext uri="{FF2B5EF4-FFF2-40B4-BE49-F238E27FC236}">
+                    <a16:creationId xmlns:a16="http://schemas.microsoft.com/office/drawing/2014/main" id="{7723B31F-778A-684D-A327-C84E4C4C22D6}"/>
+                  </a:ext>
+                </a:extLst>
+              </p:cNvPr>
+              <p:cNvSpPr txBox="1"/>
+              <p:nvPr/>
+            </p:nvSpPr>
+            <p:spPr>
+              <a:xfrm>
+                <a:off x="45628560" y="16139160"/>
+                <a:ext cx="2514600" cy="1209242"/>
+              </a:xfrm>
+              <a:prstGeom prst="rect">
+                <a:avLst/>
+              </a:prstGeom>
+              <a:noFill/>
+            </p:spPr>
+            <p:txBody>
+              <a:bodyPr wrap="square" rtlCol="0">
+                <a:spAutoFit/>
+              </a:bodyPr>
+              <a:lstStyle/>
+              <a:p>
+                <a14:m>
+                  <m:oMathPara xmlns:m="http://schemas.openxmlformats.org/officeDocument/2006/math">
+                    <m:oMathParaPr>
+                      <m:jc m:val="centerGroup"/>
+                    </m:oMathParaPr>
+                    <m:oMath xmlns:m="http://schemas.openxmlformats.org/officeDocument/2006/math">
+                      <m:sSub>
+                        <m:sSubPr>
+                          <m:ctrlPr>
+                            <a:rPr lang="en-US" i="1" smtClean="0">
+                              <a:latin typeface="Cambria Math" panose="02040503050406030204" pitchFamily="18" charset="0"/>
+                            </a:rPr>
+                          </m:ctrlPr>
+                        </m:sSubPr>
+                        <m:e/>
+                        <m:sub/>
+                      </m:sSub>
+                    </m:oMath>
+                  </m:oMathPara>
+                </a14:m>
+                <a:endParaRPr lang="en-US" dirty="0"/>
+              </a:p>
+            </p:txBody>
+          </p:sp>
+        </mc:Choice>
+        <mc:Fallback>
+          <p:sp>
+            <p:nvSpPr>
+              <p:cNvPr id="121" name="TextBox 120">
+                <a:extLst>
+                  <a:ext uri="{FF2B5EF4-FFF2-40B4-BE49-F238E27FC236}">
+                    <a16:creationId xmlns:a16="http://schemas.microsoft.com/office/drawing/2014/main" id="{7723B31F-778A-684D-A327-C84E4C4C22D6}"/>
+                  </a:ext>
+                </a:extLst>
+              </p:cNvPr>
+              <p:cNvSpPr txBox="1">
+                <a:spLocks noRot="1" noChangeAspect="1" noMove="1" noResize="1" noEditPoints="1" noAdjustHandles="1" noChangeArrowheads="1" noChangeShapeType="1" noTextEdit="1"/>
+              </p:cNvSpPr>
+              <p:nvPr/>
+            </p:nvSpPr>
+            <p:spPr>
+              <a:xfrm>
+                <a:off x="45628560" y="16139160"/>
+                <a:ext cx="2514600" cy="1209242"/>
+              </a:xfrm>
+              <a:prstGeom prst="rect">
+                <a:avLst/>
+              </a:prstGeom>
+              <a:blipFill>
+                <a:blip r:embed="rId7"/>
+                <a:stretch>
+                  <a:fillRect/>
+                </a:stretch>
+              </a:blipFill>
+            </p:spPr>
+            <p:txBody>
+              <a:bodyPr/>
+              <a:lstStyle/>
+              <a:p>
+                <a:r>
+                  <a:rPr lang="en-US">
+                    <a:noFill/>
+                  </a:rPr>
+                  <a:t> </a:t>
+                </a:r>
+              </a:p>
+            </p:txBody>
+          </p:sp>
+        </mc:Fallback>
+      </mc:AlternateContent>
     </p:spTree>
     <p:extLst>
       <p:ext uri="{BB962C8B-B14F-4D97-AF65-F5344CB8AC3E}">

--- a/Poster and Plots/Poster.pptx
+++ b/Poster and Plots/Poster.pptx
@@ -126,6 +126,32 @@
 </p:presentation>
 </file>
 
+<file path=ppt/commentAuthors.xml><?xml version="1.0" encoding="utf-8"?>
+<p:cmAuthorLst xmlns:a="http://schemas.openxmlformats.org/drawingml/2006/main" xmlns:r="http://schemas.openxmlformats.org/officeDocument/2006/relationships" xmlns:p="http://schemas.openxmlformats.org/presentationml/2006/main">
+  <p:cmAuthor id="1" name="Neil Pruthi" initials="NP" lastIdx="1" clrIdx="0">
+    <p:extLst>
+      <p:ext uri="{19B8F6BF-5375-455C-9EA6-DF929625EA0E}">
+        <p15:presenceInfo xmlns:p15="http://schemas.microsoft.com/office/powerpoint/2012/main" userId="7d950a7f03f01ff7" providerId="Windows Live"/>
+      </p:ext>
+    </p:extLst>
+  </p:cmAuthor>
+</p:cmAuthorLst>
+</file>
+
+<file path=ppt/comments/comment1.xml><?xml version="1.0" encoding="utf-8"?>
+<p:cmLst xmlns:a="http://schemas.openxmlformats.org/drawingml/2006/main" xmlns:r="http://schemas.openxmlformats.org/officeDocument/2006/relationships" xmlns:p="http://schemas.openxmlformats.org/presentationml/2006/main">
+  <p:cm authorId="1" dt="2018-11-27T17:18:16.272" idx="1">
+    <p:pos x="9216" y="2469"/>
+    <p:text>is it proper to include brandon and ashwin as authors?</p:text>
+    <p:extLst>
+      <p:ext uri="{C676402C-5697-4E1C-873F-D02D1690AC5C}">
+        <p15:threadingInfo xmlns:p15="http://schemas.microsoft.com/office/powerpoint/2012/main" timeZoneBias="300"/>
+      </p:ext>
+    </p:extLst>
+  </p:cm>
+</p:cmLst>
+</file>
+
 <file path=ppt/notesMasters/notesMaster1.xml><?xml version="1.0" encoding="utf-8"?>
 <p:notesMaster xmlns:a="http://schemas.openxmlformats.org/drawingml/2006/main" xmlns:r="http://schemas.openxmlformats.org/officeDocument/2006/relationships" xmlns:p="http://schemas.openxmlformats.org/presentationml/2006/main">
   <p:cSld>
@@ -208,7 +234,7 @@
           <a:p>
             <a:fld id="{D1E9724D-6106-B84D-AD73-88AB3BCE741D}" type="datetimeFigureOut">
               <a:rPr lang="en-US" smtClean="0"/>
-              <a:t>11/24/18</a:t>
+              <a:t>11/27/2018</a:t>
             </a:fld>
             <a:endParaRPr lang="en-US"/>
           </a:p>
@@ -2601,7 +2627,7 @@
         <p:spPr bwMode="auto">
           <a:xfrm>
             <a:off x="999938" y="1550522"/>
-            <a:ext cx="41224200" cy="3154496"/>
+            <a:ext cx="20945662" cy="3523828"/>
           </a:xfrm>
           <a:prstGeom prst="rect">
             <a:avLst/>
@@ -2631,7 +2657,7 @@
           </a:extLst>
         </p:spPr>
         <p:txBody>
-          <a:bodyPr lIns="91243" tIns="45614" rIns="91243" bIns="45614">
+          <a:bodyPr wrap="square" lIns="91243" tIns="45614" rIns="91243" bIns="45614">
             <a:spAutoFit/>
           </a:bodyPr>
           <a:lstStyle>
@@ -2759,66 +2785,25 @@
                 <a:latin typeface="+mn-lt"/>
                 <a:ea typeface="Arial" charset="0"/>
               </a:rPr>
-              <a:t>WHEN THE TRUTH IS NOT TRUE</a:t>
+              <a:t>Analysis of toxic comment classification in perturbed text data sets</a:t>
             </a:r>
           </a:p>
           <a:p>
             <a:pPr>
               <a:spcBef>
-                <a:spcPts val="600"/>
-              </a:spcBef>
-              <a:spcAft>
                 <a:spcPts val="1800"/>
-              </a:spcAft>
+              </a:spcBef>
               <a:defRPr/>
             </a:pPr>
             <a:r>
-              <a:rPr lang="en-US" altLang="en-US" sz="4400" dirty="0">
+              <a:rPr lang="en-US" altLang="en-US" sz="3200" dirty="0">
                 <a:solidFill>
                   <a:srgbClr val="FFFFFF"/>
                 </a:solidFill>
                 <a:latin typeface="+mn-lt"/>
                 <a:ea typeface="Arial" charset="0"/>
               </a:rPr>
-              <a:t>A Study of Perturbations on “True” Toxicity in Text Classification</a:t>
-            </a:r>
-          </a:p>
-          <a:p>
-            <a:pPr>
-              <a:spcBef>
-                <a:spcPts val="1800"/>
-              </a:spcBef>
-              <a:defRPr/>
-            </a:pPr>
-            <a:r>
-              <a:rPr lang="en-US" altLang="en-US" sz="3200" dirty="0">
-                <a:solidFill>
-                  <a:srgbClr val="FFFFFF"/>
-                </a:solidFill>
-                <a:latin typeface="+mn-lt"/>
-                <a:ea typeface="Arial" charset="0"/>
-              </a:rPr>
-              <a:t>Neha Gupta, Yujing Ke, Neil </a:t>
-            </a:r>
-            <a:r>
-              <a:rPr lang="en-US" altLang="en-US" sz="3200" dirty="0" err="1">
-                <a:solidFill>
-                  <a:srgbClr val="FFFFFF"/>
-                </a:solidFill>
-                <a:latin typeface="+mn-lt"/>
-                <a:ea typeface="Arial" charset="0"/>
-              </a:rPr>
-              <a:t>Pruthi</a:t>
-            </a:r>
-            <a:r>
-              <a:rPr lang="en-US" altLang="en-US" sz="3200" dirty="0">
-                <a:solidFill>
-                  <a:srgbClr val="FFFFFF"/>
-                </a:solidFill>
-                <a:latin typeface="+mn-lt"/>
-                <a:ea typeface="Arial" charset="0"/>
-              </a:rPr>
-              <a:t>, Brandon Fain, Ashwin </a:t>
+              <a:t>Neha Gupta, Yujing Ke, Neil Pruthi, Brandon Fain, Ashwin </a:t>
             </a:r>
             <a:r>
               <a:rPr lang="en-US" altLang="en-US" sz="3200" dirty="0" err="1">
@@ -3277,7 +3262,7 @@
                 <a:latin typeface="+mn-lt"/>
                 <a:ea typeface="Arial" charset="0"/>
               </a:rPr>
-              <a:t>Posting comments is easy, yet ensuring the content being “healthy” can be difficult. The threat of negative online behavior can drive away users and cause loss to the website. Therefore, a website may want to deploy a classifier to automatically flag comments that are mean, hateful, prejudiced, offense, or some combination thereof. However, a classifier may exhibit bias and lead to unfairness because it may predict, correctly or incorrectly, a toxic label for comments about a particular demographic group more often than comments about other demographic groups. In this project, we are interested in the question about how different levels of dataset bias affect the bias of a classifier trained on that dataset. We will tackle this question by perturbing the dataset in a variety of ways and observing the resulting changes in fairness of classified data. </a:t>
+              <a:t>Leaving comments online is easy, yet ensuring user comments are appropriate can be difficult. The threat of negative online behavior can drive away users. A website may want to deploy a classifier to automatically flag comments that are mean, hateful, prejudiced, offense, or some combination thereof. However, a classifier may exhibit bias and lead to unfairness because it may predict, correctly or incorrectly, a toxic label for comments about a particular demographic group more often than comments about other demographic groups. In this project, we are interested in the question of how different levels of dataset bias affect the bias of a classifier trained on that dataset. We will tackle this question by perturbing the dataset in a number of ways and observing the resulting changes in fairness of classified data.</a:t>
             </a:r>
           </a:p>
         </p:txBody>
@@ -4620,8 +4605,8 @@
           </a:p>
         </p:txBody>
       </p:sp>
-      <mc:AlternateContent xmlns:mc="http://schemas.openxmlformats.org/markup-compatibility/2006">
-        <mc:Choice xmlns:a14="http://schemas.microsoft.com/office/drawing/2010/main" Requires="a14">
+      <mc:AlternateContent xmlns:mc="http://schemas.openxmlformats.org/markup-compatibility/2006" xmlns:a14="http://schemas.microsoft.com/office/drawing/2010/main">
+        <mc:Choice Requires="a14">
           <p:sp>
             <p:nvSpPr>
               <p:cNvPr id="121" name="TextBox 120">
@@ -4650,6 +4635,7 @@
               </a:bodyPr>
               <a:lstStyle/>
               <a:p>
+                <a:pPr/>
                 <a14:m>
                   <m:oMathPara xmlns:m="http://schemas.openxmlformats.org/officeDocument/2006/math">
                     <m:oMathParaPr>
@@ -4675,7 +4661,7 @@
             </p:txBody>
           </p:sp>
         </mc:Choice>
-        <mc:Fallback>
+        <mc:Fallback xmlns="">
           <p:sp>
             <p:nvSpPr>
               <p:cNvPr id="121" name="TextBox 120">

--- a/Poster and Plots/Poster.pptx
+++ b/Poster and Plots/Poster.pptx
@@ -3949,7 +3949,7 @@
         <p:spPr>
           <a:xfrm>
             <a:off x="14466657" y="5785001"/>
-            <a:ext cx="15392267" cy="21205805"/>
+            <a:ext cx="15392267" cy="21717420"/>
           </a:xfrm>
           <a:prstGeom prst="rect">
             <a:avLst/>
@@ -4020,8 +4020,19 @@
             </a:r>
             <a:r>
               <a:rPr lang="en-US" sz="3600" dirty="0"/>
-              <a:t>o introduce noise into the training data, we randomly select some p% of comments, and for those comments, we assign a random toxicity value of either [0,1].  </a:t>
-            </a:r>
+              <a:t>o introduce noise into our training data, we randomly select comments with some probability </a:t>
+            </a:r>
+            <a:r>
+              <a:rPr lang="en-US" sz="3600" i="1" dirty="0"/>
+              <a:t>p</a:t>
+            </a:r>
+            <a:r>
+              <a:rPr lang="en-US" sz="3600" dirty="0"/>
+              <a:t>, and for those comments, we assign a random toxicity value of either [0,1]. </a:t>
+            </a:r>
+          </a:p>
+          <a:p>
+            <a:endParaRPr lang="en-US" sz="3600" dirty="0"/>
           </a:p>
           <a:p>
             <a:r>
@@ -4470,7 +4481,7 @@
         <p:spPr>
           <a:xfrm>
             <a:off x="432919" y="15208094"/>
-            <a:ext cx="13210405" cy="5822107"/>
+            <a:ext cx="13210405" cy="4714111"/>
           </a:xfrm>
           <a:prstGeom prst="rect">
             <a:avLst/>
@@ -4510,13 +4521,23 @@
           <a:p>
             <a:r>
               <a:rPr lang="en-US" sz="3600" dirty="0"/>
-              <a:t>Our data is split into a training dataset containing approximately 96,000 comments, and a test dataset containing approximately 32,000 comments. We used a logistic regression classifier to predict a binary value for toxicity on the test dataset.</a:t>
-            </a:r>
-          </a:p>
-          <a:p>
+              <a:t>We have a dataset of ~128,000 Wikipedia Talk Page comments. We used a logistic regression classifier to predict whether a comment is </a:t>
+            </a:r>
+            <a:r>
+              <a:rPr lang="en-US" sz="3600" i="1" dirty="0"/>
+              <a:t>toxic</a:t>
+            </a:r>
             <a:r>
               <a:rPr lang="en-US" sz="3600" dirty="0"/>
-              <a:t>In order to ensure we have sufficient sample sizes for each identity term, we only show results for demographic identity terms that appear in at least 3% of comments with identity terms. Figure 1 shows the identity terms, in set T, that met our threshold. </a:t>
+              <a:t> or </a:t>
+            </a:r>
+            <a:r>
+              <a:rPr lang="en-US" sz="3600" i="1" dirty="0"/>
+              <a:t>non-toxic</a:t>
+            </a:r>
+            <a:r>
+              <a:rPr lang="en-US" sz="3600" dirty="0"/>
+              <a:t>. In order to ensure we have sufficient sample sizes for each identity term, we only show results for demographic identity terms that appear in at least 3% of comments with identity terms. Figure 1 shows the identity terms, in set T, that met our threshold. </a:t>
             </a:r>
           </a:p>
         </p:txBody>

--- a/Poster and Plots/Poster.pptx
+++ b/Poster and Plots/Poster.pptx
@@ -3949,7 +3949,7 @@
         <p:spPr>
           <a:xfrm>
             <a:off x="14466657" y="5785001"/>
-            <a:ext cx="15392267" cy="21717420"/>
+            <a:ext cx="15392267" cy="22271418"/>
           </a:xfrm>
           <a:prstGeom prst="rect">
             <a:avLst/>
@@ -4006,7 +4006,7 @@
                 <a:ea typeface="Arial" charset="0"/>
                 <a:cs typeface="Arial" charset="0"/>
               </a:rPr>
-              <a:t>Random Variations in Toxicity of Training Data</a:t>
+              <a:t>Perturbing our training data</a:t>
             </a:r>
           </a:p>
           <a:p>
@@ -4037,7 +4037,7 @@
           <a:p>
             <a:r>
               <a:rPr lang="en-US" sz="3600" dirty="0"/>
-              <a:t>Our metric for biased data is based on a generalized disparate impact for a large number of identities. Intuitively, a high disparate impact value means comments containing term </a:t>
+              <a:t>Our measure of bias in data is disparate impact, generalized from its typical two-class definition, as we have more than two demographic identity groups. Intuitively, a high value of disparate impact means that comments containing an identity term </a:t>
             </a:r>
             <a:r>
               <a:rPr lang="en-US" sz="3600" i="1" dirty="0"/>
@@ -4049,7 +4049,7 @@
             </a:r>
             <a:r>
               <a:rPr lang="en-US" sz="3600" dirty="0"/>
-              <a:t> are more likely to be labeled as toxic than comments containing a term </a:t>
+              <a:t> are more likely to be labeled as toxic than comments containing an identity term </a:t>
             </a:r>
             <a:r>
               <a:rPr lang="en-US" sz="3600" i="1" dirty="0"/>
@@ -4061,7 +4061,7 @@
             </a:r>
             <a:r>
               <a:rPr lang="en-US" sz="3600" dirty="0"/>
-              <a:t>. We compute disparate impact for all pairs of terms and compute our disparate impact as:</a:t>
+              <a:t>. We compute the pairwise disparate impact for each pair of terms and then take the max: </a:t>
             </a:r>
           </a:p>
           <a:p>
@@ -4108,7 +4108,7 @@
             </a:pPr>
             <a:r>
               <a:rPr lang="en-US" sz="3600" dirty="0"/>
-              <a:t>Figure 2 looks at DI values for the test data compared to predicted values computed on training data.</a:t>
+              <a:t>Figure 2 shows disparate impact of both our training and test data.</a:t>
             </a:r>
           </a:p>
           <a:p>
@@ -4410,14 +4410,17 @@
                 <a:ea typeface="Arial" charset="0"/>
                 <a:cs typeface="Arial" charset="0"/>
               </a:rPr>
-              <a:t>Variation in Cautiousness of Toxicity Definition</a:t>
-            </a:r>
-          </a:p>
-          <a:p>
-            <a:pPr indent="-1386230">
-              <a:lnSpc>
-                <a:spcPts val="4600"/>
-              </a:lnSpc>
+              <a:t>Altering the threshold above which the average of human toxicity ratings must be for a comment to be labeled as toxic</a:t>
+            </a:r>
+          </a:p>
+          <a:p>
+            <a:pPr>
+              <a:lnSpc>
+                <a:spcPts val="4600"/>
+              </a:lnSpc>
+              <a:spcBef>
+                <a:spcPts val="0"/>
+              </a:spcBef>
               <a:buClr>
                 <a:schemeClr val="tx2"/>
               </a:buClr>
@@ -4426,7 +4429,31 @@
             </a:pPr>
             <a:r>
               <a:rPr lang="en-US" sz="3600" dirty="0"/>
-              <a:t>The original crowdsourced dataset given by [cite] is broken down by human rater, where at least 10 human raters provided a binary rating for each comment.  [cite] checks for a mean binary rating across raters greater than 0.5 to classify the comment as toxic in the training dataset. We adjust this threshold and observe changes in the disparate impact when comparing each demographic identity term to the term ‘gay’, shown in Figure 3.</a:t>
+              <a:t>Our original dataset of crowdsourced comment toxicity ratings has around ten human raters for each comment. [cite] labels a comment as toxic if the mean of its toxicity ratings is greater than or equal to 0.5. We adjust this threshold and observe changes in the disparate impact by comparing the demographic identity term </a:t>
+            </a:r>
+            <a:r>
+              <a:rPr lang="en-US" sz="3600" i="1" dirty="0"/>
+              <a:t>gay</a:t>
+            </a:r>
+            <a:r>
+              <a:rPr lang="en-US" sz="3600" dirty="0"/>
+              <a:t> with seven other identity terms, as shown in Figure 3. We choose the identity term </a:t>
+            </a:r>
+            <a:r>
+              <a:rPr lang="en-US" sz="3600" i="1" dirty="0"/>
+              <a:t>gay</a:t>
+            </a:r>
+            <a:r>
+              <a:rPr lang="en-US" sz="3600" dirty="0"/>
+              <a:t> because it appears in comments labeled </a:t>
+            </a:r>
+            <a:r>
+              <a:rPr lang="en-US" sz="3600" i="1" dirty="0"/>
+              <a:t>toxic</a:t>
+            </a:r>
+            <a:r>
+              <a:rPr lang="en-US" sz="3600" dirty="0"/>
+              <a:t> more than any other identity term (see Figure 1).</a:t>
             </a:r>
             <a:endParaRPr lang="en-US" sz="3600" dirty="0">
               <a:latin typeface="Arial" charset="0"/>
@@ -4458,7 +4485,7 @@
         </p:blipFill>
         <p:spPr>
           <a:xfrm>
-            <a:off x="14433649" y="11814628"/>
+            <a:off x="14525922" y="13026081"/>
             <a:ext cx="14864357" cy="1737272"/>
           </a:xfrm>
           <a:prstGeom prst="rect">

--- a/Poster and Plots/Poster.pptx
+++ b/Poster and Plots/Poster.pptx
@@ -3983,7 +3983,7 @@
                 </a:solidFill>
                 <a:latin typeface="+mj-lt"/>
               </a:rPr>
-              <a:t>Methods (continued)</a:t>
+              <a:t>Method (continued)</a:t>
             </a:r>
             <a:endParaRPr lang="en-US" sz="2800" dirty="0"/>
           </a:p>
